--- a/8장/20164091-송희령-8장 과제.pptx
+++ b/8장/20164091-송희령-8장 과제.pptx
@@ -17,7 +17,10 @@
     <p:sldId id="389" r:id="rId11"/>
     <p:sldId id="390" r:id="rId12"/>
     <p:sldId id="391" r:id="rId13"/>
-    <p:sldId id="258" r:id="rId14"/>
+    <p:sldId id="392" r:id="rId14"/>
+    <p:sldId id="393" r:id="rId15"/>
+    <p:sldId id="394" r:id="rId16"/>
+    <p:sldId id="258" r:id="rId17"/>
   </p:sldIdLst>
   <p:sldSz cx="12192000" cy="6858000"/>
   <p:notesSz cx="6858000" cy="9144000"/>
@@ -6436,6 +6439,1818 @@
       </p:grpSpPr>
       <p:sp>
         <p:nvSpPr>
+          <p:cNvPr id="37" name="직사각형 36">
+            <a:extLst>
+              <a:ext uri="{FF2B5EF4-FFF2-40B4-BE49-F238E27FC236}">
+                <a16:creationId xmlns:a16="http://schemas.microsoft.com/office/drawing/2014/main" id="{3F15C60C-17FE-422D-AFCF-73C75A021362}"/>
+              </a:ext>
+            </a:extLst>
+          </p:cNvPr>
+          <p:cNvSpPr/>
+          <p:nvPr/>
+        </p:nvSpPr>
+        <p:spPr>
+          <a:xfrm>
+            <a:off x="3697172" y="332194"/>
+            <a:ext cx="4713765" cy="735842"/>
+          </a:xfrm>
+          <a:prstGeom prst="rect">
+            <a:avLst/>
+          </a:prstGeom>
+        </p:spPr>
+        <p:txBody>
+          <a:bodyPr wrap="square">
+            <a:spAutoFit/>
+          </a:bodyPr>
+          <a:lstStyle/>
+          <a:p>
+            <a:pPr algn="ctr" latinLnBrk="0">
+              <a:lnSpc>
+                <a:spcPct val="150000"/>
+              </a:lnSpc>
+              <a:defRPr/>
+            </a:pPr>
+            <a:r>
+              <a:rPr lang="en-US" altLang="ko-KR" sz="3200" b="1" i="1" kern="0" dirty="0">
+                <a:solidFill>
+                  <a:srgbClr val="FF7876"/>
+                </a:solidFill>
+              </a:rPr>
+              <a:t>11</a:t>
+            </a:r>
+          </a:p>
+        </p:txBody>
+      </p:sp>
+      <p:cxnSp>
+        <p:nvCxnSpPr>
+          <p:cNvPr id="38" name="직선 연결선 37">
+            <a:extLst>
+              <a:ext uri="{FF2B5EF4-FFF2-40B4-BE49-F238E27FC236}">
+                <a16:creationId xmlns:a16="http://schemas.microsoft.com/office/drawing/2014/main" id="{940134F4-F272-426A-B50B-8075427DF501}"/>
+              </a:ext>
+            </a:extLst>
+          </p:cNvPr>
+          <p:cNvCxnSpPr>
+            <a:cxnSpLocks/>
+          </p:cNvCxnSpPr>
+          <p:nvPr/>
+        </p:nvCxnSpPr>
+        <p:spPr>
+          <a:xfrm flipV="1">
+            <a:off x="843148" y="847712"/>
+            <a:ext cx="4769087" cy="1"/>
+          </a:xfrm>
+          <a:prstGeom prst="line">
+            <a:avLst/>
+          </a:prstGeom>
+          <a:ln w="6350">
+            <a:solidFill>
+              <a:srgbClr val="FF7876"/>
+            </a:solidFill>
+            <a:prstDash val="sysDash"/>
+            <a:tailEnd type="oval"/>
+          </a:ln>
+        </p:spPr>
+        <p:style>
+          <a:lnRef idx="1">
+            <a:schemeClr val="accent1"/>
+          </a:lnRef>
+          <a:fillRef idx="0">
+            <a:schemeClr val="accent1"/>
+          </a:fillRef>
+          <a:effectRef idx="0">
+            <a:schemeClr val="accent1"/>
+          </a:effectRef>
+          <a:fontRef idx="minor">
+            <a:schemeClr val="tx1"/>
+          </a:fontRef>
+        </p:style>
+      </p:cxnSp>
+      <p:cxnSp>
+        <p:nvCxnSpPr>
+          <p:cNvPr id="39" name="직선 연결선 38">
+            <a:extLst>
+              <a:ext uri="{FF2B5EF4-FFF2-40B4-BE49-F238E27FC236}">
+                <a16:creationId xmlns:a16="http://schemas.microsoft.com/office/drawing/2014/main" id="{55EBD739-0979-4546-8E6B-9CA8052FC540}"/>
+              </a:ext>
+            </a:extLst>
+          </p:cNvPr>
+          <p:cNvCxnSpPr>
+            <a:cxnSpLocks/>
+          </p:cNvCxnSpPr>
+          <p:nvPr/>
+        </p:nvCxnSpPr>
+        <p:spPr>
+          <a:xfrm flipH="1">
+            <a:off x="6579767" y="847712"/>
+            <a:ext cx="4692810" cy="0"/>
+          </a:xfrm>
+          <a:prstGeom prst="line">
+            <a:avLst/>
+          </a:prstGeom>
+          <a:ln w="6350">
+            <a:solidFill>
+              <a:srgbClr val="FF7876"/>
+            </a:solidFill>
+            <a:prstDash val="sysDash"/>
+            <a:tailEnd type="oval"/>
+          </a:ln>
+        </p:spPr>
+        <p:style>
+          <a:lnRef idx="1">
+            <a:schemeClr val="accent1"/>
+          </a:lnRef>
+          <a:fillRef idx="0">
+            <a:schemeClr val="accent1"/>
+          </a:fillRef>
+          <a:effectRef idx="0">
+            <a:schemeClr val="accent1"/>
+          </a:effectRef>
+          <a:fontRef idx="minor">
+            <a:schemeClr val="tx1"/>
+          </a:fontRef>
+        </p:style>
+      </p:cxnSp>
+      <p:sp>
+        <p:nvSpPr>
+          <p:cNvPr id="8" name="TextBox 7">
+            <a:extLst>
+              <a:ext uri="{FF2B5EF4-FFF2-40B4-BE49-F238E27FC236}">
+                <a16:creationId xmlns:a16="http://schemas.microsoft.com/office/drawing/2014/main" id="{C18154B9-4F65-4277-8C17-63D9702FC25F}"/>
+              </a:ext>
+            </a:extLst>
+          </p:cNvPr>
+          <p:cNvSpPr txBox="1"/>
+          <p:nvPr/>
+        </p:nvSpPr>
+        <p:spPr>
+          <a:xfrm>
+            <a:off x="765146" y="963122"/>
+            <a:ext cx="10507430" cy="261610"/>
+          </a:xfrm>
+          <a:prstGeom prst="rect">
+            <a:avLst/>
+          </a:prstGeom>
+          <a:noFill/>
+        </p:spPr>
+        <p:txBody>
+          <a:bodyPr wrap="square" rtlCol="0">
+            <a:spAutoFit/>
+          </a:bodyPr>
+          <a:lstStyle/>
+          <a:p>
+            <a:pPr algn="ctr"/>
+            <a:r>
+              <a:rPr lang="en-US" altLang="ko-KR" sz="1100" i="1" dirty="0">
+                <a:solidFill>
+                  <a:srgbClr val="FF7876"/>
+                </a:solidFill>
+              </a:rPr>
+              <a:t>NumPy </a:t>
+            </a:r>
+            <a:r>
+              <a:rPr lang="ko-KR" altLang="en-US" sz="1100" i="1" dirty="0">
+                <a:solidFill>
+                  <a:srgbClr val="FF7876"/>
+                </a:solidFill>
+              </a:rPr>
+              <a:t>임의 프로그램</a:t>
+            </a:r>
+            <a:endParaRPr lang="en-US" altLang="ko-KR" sz="1100" i="1" dirty="0">
+              <a:solidFill>
+                <a:srgbClr val="FF7876"/>
+              </a:solidFill>
+            </a:endParaRPr>
+          </a:p>
+        </p:txBody>
+      </p:sp>
+      <p:sp>
+        <p:nvSpPr>
+          <p:cNvPr id="29" name="TextBox 28">
+            <a:extLst>
+              <a:ext uri="{FF2B5EF4-FFF2-40B4-BE49-F238E27FC236}">
+                <a16:creationId xmlns:a16="http://schemas.microsoft.com/office/drawing/2014/main" id="{E3EE4462-0DA3-3E4F-824A-75CB5562CE34}"/>
+              </a:ext>
+            </a:extLst>
+          </p:cNvPr>
+          <p:cNvSpPr txBox="1"/>
+          <p:nvPr/>
+        </p:nvSpPr>
+        <p:spPr>
+          <a:xfrm>
+            <a:off x="3033486" y="5492594"/>
+            <a:ext cx="6125027" cy="600164"/>
+          </a:xfrm>
+          <a:prstGeom prst="rect">
+            <a:avLst/>
+          </a:prstGeom>
+          <a:noFill/>
+          <a:ln w="12700">
+            <a:solidFill>
+              <a:srgbClr val="FF7876"/>
+            </a:solidFill>
+          </a:ln>
+        </p:spPr>
+        <p:txBody>
+          <a:bodyPr wrap="square" rtlCol="0">
+            <a:spAutoFit/>
+          </a:bodyPr>
+          <a:lstStyle/>
+          <a:p>
+            <a:pPr algn="ctr"/>
+            <a:r>
+              <a:rPr lang="ko-KR" altLang="en-US" sz="1100" dirty="0"/>
+              <a:t>저는 기상청의 날씨정보를 받아와</a:t>
+            </a:r>
+            <a:endParaRPr lang="en-US" altLang="ko-KR" sz="1100" dirty="0"/>
+          </a:p>
+          <a:p>
+            <a:pPr algn="ctr"/>
+            <a:r>
+              <a:rPr lang="ko-KR" altLang="en-US" sz="1100" dirty="0" err="1"/>
+              <a:t>현재기온과</a:t>
+            </a:r>
+            <a:r>
+              <a:rPr lang="ko-KR" altLang="en-US" sz="1100" dirty="0"/>
+              <a:t> 체감온도를 </a:t>
+            </a:r>
+            <a:r>
+              <a:rPr lang="ko-KR" altLang="en-US" sz="1100" dirty="0" err="1"/>
+              <a:t>넘파이에</a:t>
+            </a:r>
+            <a:r>
+              <a:rPr lang="ko-KR" altLang="en-US" sz="1100" dirty="0"/>
+              <a:t> 저장하고</a:t>
+            </a:r>
+            <a:endParaRPr lang="en-US" altLang="ko-KR" sz="1100" dirty="0"/>
+          </a:p>
+          <a:p>
+            <a:pPr algn="ctr"/>
+            <a:r>
+              <a:rPr lang="ko-KR" altLang="en-US" sz="1100" dirty="0"/>
+              <a:t>저장한 배열을 통해 최고</a:t>
+            </a:r>
+            <a:r>
+              <a:rPr lang="en-US" altLang="ko-KR" sz="1100" dirty="0"/>
+              <a:t>,</a:t>
+            </a:r>
+            <a:r>
+              <a:rPr lang="ko-KR" altLang="en-US" sz="1100" dirty="0"/>
+              <a:t> 최저기온을 출력하도록 하였습니다</a:t>
+            </a:r>
+            <a:r>
+              <a:rPr lang="en-US" altLang="ko-KR" sz="1100" dirty="0"/>
+              <a:t>.</a:t>
+            </a:r>
+          </a:p>
+        </p:txBody>
+      </p:sp>
+      <p:pic>
+        <p:nvPicPr>
+          <p:cNvPr id="3" name="그림 2">
+            <a:extLst>
+              <a:ext uri="{FF2B5EF4-FFF2-40B4-BE49-F238E27FC236}">
+                <a16:creationId xmlns:a16="http://schemas.microsoft.com/office/drawing/2014/main" id="{3337742B-B9D0-F84C-808E-03D0861C83A1}"/>
+              </a:ext>
+            </a:extLst>
+          </p:cNvPr>
+          <p:cNvPicPr>
+            <a:picLocks noChangeAspect="1"/>
+          </p:cNvPicPr>
+          <p:nvPr/>
+        </p:nvPicPr>
+        <p:blipFill>
+          <a:blip r:embed="rId2"/>
+          <a:stretch>
+            <a:fillRect/>
+          </a:stretch>
+        </p:blipFill>
+        <p:spPr>
+          <a:xfrm>
+            <a:off x="3146155" y="1557437"/>
+            <a:ext cx="5780017" cy="3474644"/>
+          </a:xfrm>
+          <a:prstGeom prst="rect">
+            <a:avLst/>
+          </a:prstGeom>
+        </p:spPr>
+      </p:pic>
+      <p:sp>
+        <p:nvSpPr>
+          <p:cNvPr id="16" name="TextBox 15">
+            <a:extLst>
+              <a:ext uri="{FF2B5EF4-FFF2-40B4-BE49-F238E27FC236}">
+                <a16:creationId xmlns:a16="http://schemas.microsoft.com/office/drawing/2014/main" id="{7426D84C-FD10-E541-9234-373CC4E96DC3}"/>
+              </a:ext>
+            </a:extLst>
+          </p:cNvPr>
+          <p:cNvSpPr txBox="1"/>
+          <p:nvPr/>
+        </p:nvSpPr>
+        <p:spPr>
+          <a:xfrm>
+            <a:off x="5752087" y="1872750"/>
+            <a:ext cx="368189" cy="3209047"/>
+          </a:xfrm>
+          <a:prstGeom prst="rect">
+            <a:avLst/>
+          </a:prstGeom>
+          <a:noFill/>
+          <a:ln w="12700">
+            <a:solidFill>
+              <a:srgbClr val="FF7876"/>
+            </a:solidFill>
+          </a:ln>
+        </p:spPr>
+        <p:txBody>
+          <a:bodyPr wrap="square" rtlCol="0">
+            <a:spAutoFit/>
+          </a:bodyPr>
+          <a:lstStyle/>
+          <a:p>
+            <a:pPr algn="ctr"/>
+            <a:endParaRPr lang="en-US" altLang="ko-Kore-KR" sz="1100" dirty="0"/>
+          </a:p>
+        </p:txBody>
+      </p:sp>
+      <p:sp>
+        <p:nvSpPr>
+          <p:cNvPr id="17" name="TextBox 16">
+            <a:extLst>
+              <a:ext uri="{FF2B5EF4-FFF2-40B4-BE49-F238E27FC236}">
+                <a16:creationId xmlns:a16="http://schemas.microsoft.com/office/drawing/2014/main" id="{B6F6AD54-0E70-AE47-A5B3-202DEC4E9661}"/>
+              </a:ext>
+            </a:extLst>
+          </p:cNvPr>
+          <p:cNvSpPr txBox="1"/>
+          <p:nvPr/>
+        </p:nvSpPr>
+        <p:spPr>
+          <a:xfrm>
+            <a:off x="6387580" y="1872750"/>
+            <a:ext cx="368189" cy="3209047"/>
+          </a:xfrm>
+          <a:prstGeom prst="rect">
+            <a:avLst/>
+          </a:prstGeom>
+          <a:noFill/>
+          <a:ln w="12700">
+            <a:solidFill>
+              <a:srgbClr val="FF7876"/>
+            </a:solidFill>
+          </a:ln>
+        </p:spPr>
+        <p:txBody>
+          <a:bodyPr wrap="square" rtlCol="0">
+            <a:spAutoFit/>
+          </a:bodyPr>
+          <a:lstStyle/>
+          <a:p>
+            <a:pPr algn="ctr"/>
+            <a:endParaRPr lang="en-US" altLang="ko-Kore-KR" sz="1100" dirty="0"/>
+          </a:p>
+        </p:txBody>
+      </p:sp>
+    </p:spTree>
+    <p:extLst>
+      <p:ext uri="{BB962C8B-B14F-4D97-AF65-F5344CB8AC3E}">
+        <p14:creationId xmlns:p14="http://schemas.microsoft.com/office/powerpoint/2010/main" val="326780265"/>
+      </p:ext>
+    </p:extLst>
+  </p:cSld>
+  <p:clrMapOvr>
+    <a:masterClrMapping/>
+  </p:clrMapOvr>
+</p:sld>
+</file>
+
+<file path=ppt/slides/slide14.xml><?xml version="1.0" encoding="utf-8"?>
+<p:sld xmlns:a="http://schemas.openxmlformats.org/drawingml/2006/main" xmlns:r="http://schemas.openxmlformats.org/officeDocument/2006/relationships" xmlns:p="http://schemas.openxmlformats.org/presentationml/2006/main">
+  <p:cSld>
+    <p:spTree>
+      <p:nvGrpSpPr>
+        <p:cNvPr id="1" name=""/>
+        <p:cNvGrpSpPr/>
+        <p:nvPr/>
+      </p:nvGrpSpPr>
+      <p:grpSpPr>
+        <a:xfrm>
+          <a:off x="0" y="0"/>
+          <a:ext cx="0" cy="0"/>
+          <a:chOff x="0" y="0"/>
+          <a:chExt cx="0" cy="0"/>
+        </a:xfrm>
+      </p:grpSpPr>
+      <p:pic>
+        <p:nvPicPr>
+          <p:cNvPr id="30" name="그림 29">
+            <a:extLst>
+              <a:ext uri="{FF2B5EF4-FFF2-40B4-BE49-F238E27FC236}">
+                <a16:creationId xmlns:a16="http://schemas.microsoft.com/office/drawing/2014/main" id="{168E3C7F-2DE0-4D4B-B4AF-0E6A2C32E76C}"/>
+              </a:ext>
+            </a:extLst>
+          </p:cNvPr>
+          <p:cNvPicPr>
+            <a:picLocks noChangeAspect="1"/>
+          </p:cNvPicPr>
+          <p:nvPr/>
+        </p:nvPicPr>
+        <p:blipFill>
+          <a:blip r:embed="rId2"/>
+          <a:stretch>
+            <a:fillRect/>
+          </a:stretch>
+        </p:blipFill>
+        <p:spPr>
+          <a:xfrm>
+            <a:off x="439874" y="1583554"/>
+            <a:ext cx="7055759" cy="4148574"/>
+          </a:xfrm>
+          <a:prstGeom prst="rect">
+            <a:avLst/>
+          </a:prstGeom>
+        </p:spPr>
+      </p:pic>
+      <p:sp>
+        <p:nvSpPr>
+          <p:cNvPr id="37" name="직사각형 36">
+            <a:extLst>
+              <a:ext uri="{FF2B5EF4-FFF2-40B4-BE49-F238E27FC236}">
+                <a16:creationId xmlns:a16="http://schemas.microsoft.com/office/drawing/2014/main" id="{3F15C60C-17FE-422D-AFCF-73C75A021362}"/>
+              </a:ext>
+            </a:extLst>
+          </p:cNvPr>
+          <p:cNvSpPr/>
+          <p:nvPr/>
+        </p:nvSpPr>
+        <p:spPr>
+          <a:xfrm>
+            <a:off x="3697172" y="332194"/>
+            <a:ext cx="4713765" cy="735842"/>
+          </a:xfrm>
+          <a:prstGeom prst="rect">
+            <a:avLst/>
+          </a:prstGeom>
+        </p:spPr>
+        <p:txBody>
+          <a:bodyPr wrap="square">
+            <a:spAutoFit/>
+          </a:bodyPr>
+          <a:lstStyle/>
+          <a:p>
+            <a:pPr algn="ctr" latinLnBrk="0">
+              <a:lnSpc>
+                <a:spcPct val="150000"/>
+              </a:lnSpc>
+              <a:defRPr/>
+            </a:pPr>
+            <a:r>
+              <a:rPr lang="en-US" altLang="ko-KR" sz="3200" b="1" i="1" kern="0" dirty="0">
+                <a:solidFill>
+                  <a:srgbClr val="FF7876"/>
+                </a:solidFill>
+              </a:rPr>
+              <a:t>11</a:t>
+            </a:r>
+          </a:p>
+        </p:txBody>
+      </p:sp>
+      <p:cxnSp>
+        <p:nvCxnSpPr>
+          <p:cNvPr id="38" name="직선 연결선 37">
+            <a:extLst>
+              <a:ext uri="{FF2B5EF4-FFF2-40B4-BE49-F238E27FC236}">
+                <a16:creationId xmlns:a16="http://schemas.microsoft.com/office/drawing/2014/main" id="{940134F4-F272-426A-B50B-8075427DF501}"/>
+              </a:ext>
+            </a:extLst>
+          </p:cNvPr>
+          <p:cNvCxnSpPr>
+            <a:cxnSpLocks/>
+          </p:cNvCxnSpPr>
+          <p:nvPr/>
+        </p:nvCxnSpPr>
+        <p:spPr>
+          <a:xfrm flipV="1">
+            <a:off x="843148" y="847712"/>
+            <a:ext cx="4769087" cy="1"/>
+          </a:xfrm>
+          <a:prstGeom prst="line">
+            <a:avLst/>
+          </a:prstGeom>
+          <a:ln w="6350">
+            <a:solidFill>
+              <a:srgbClr val="FF7876"/>
+            </a:solidFill>
+            <a:prstDash val="sysDash"/>
+            <a:tailEnd type="oval"/>
+          </a:ln>
+        </p:spPr>
+        <p:style>
+          <a:lnRef idx="1">
+            <a:schemeClr val="accent1"/>
+          </a:lnRef>
+          <a:fillRef idx="0">
+            <a:schemeClr val="accent1"/>
+          </a:fillRef>
+          <a:effectRef idx="0">
+            <a:schemeClr val="accent1"/>
+          </a:effectRef>
+          <a:fontRef idx="minor">
+            <a:schemeClr val="tx1"/>
+          </a:fontRef>
+        </p:style>
+      </p:cxnSp>
+      <p:cxnSp>
+        <p:nvCxnSpPr>
+          <p:cNvPr id="39" name="직선 연결선 38">
+            <a:extLst>
+              <a:ext uri="{FF2B5EF4-FFF2-40B4-BE49-F238E27FC236}">
+                <a16:creationId xmlns:a16="http://schemas.microsoft.com/office/drawing/2014/main" id="{55EBD739-0979-4546-8E6B-9CA8052FC540}"/>
+              </a:ext>
+            </a:extLst>
+          </p:cNvPr>
+          <p:cNvCxnSpPr>
+            <a:cxnSpLocks/>
+          </p:cNvCxnSpPr>
+          <p:nvPr/>
+        </p:nvCxnSpPr>
+        <p:spPr>
+          <a:xfrm flipH="1">
+            <a:off x="6579767" y="847712"/>
+            <a:ext cx="4692810" cy="0"/>
+          </a:xfrm>
+          <a:prstGeom prst="line">
+            <a:avLst/>
+          </a:prstGeom>
+          <a:ln w="6350">
+            <a:solidFill>
+              <a:srgbClr val="FF7876"/>
+            </a:solidFill>
+            <a:prstDash val="sysDash"/>
+            <a:tailEnd type="oval"/>
+          </a:ln>
+        </p:spPr>
+        <p:style>
+          <a:lnRef idx="1">
+            <a:schemeClr val="accent1"/>
+          </a:lnRef>
+          <a:fillRef idx="0">
+            <a:schemeClr val="accent1"/>
+          </a:fillRef>
+          <a:effectRef idx="0">
+            <a:schemeClr val="accent1"/>
+          </a:effectRef>
+          <a:fontRef idx="minor">
+            <a:schemeClr val="tx1"/>
+          </a:fontRef>
+        </p:style>
+      </p:cxnSp>
+      <p:sp>
+        <p:nvSpPr>
+          <p:cNvPr id="8" name="TextBox 7">
+            <a:extLst>
+              <a:ext uri="{FF2B5EF4-FFF2-40B4-BE49-F238E27FC236}">
+                <a16:creationId xmlns:a16="http://schemas.microsoft.com/office/drawing/2014/main" id="{C18154B9-4F65-4277-8C17-63D9702FC25F}"/>
+              </a:ext>
+            </a:extLst>
+          </p:cNvPr>
+          <p:cNvSpPr txBox="1"/>
+          <p:nvPr/>
+        </p:nvSpPr>
+        <p:spPr>
+          <a:xfrm>
+            <a:off x="765146" y="963122"/>
+            <a:ext cx="10507430" cy="261610"/>
+          </a:xfrm>
+          <a:prstGeom prst="rect">
+            <a:avLst/>
+          </a:prstGeom>
+          <a:noFill/>
+        </p:spPr>
+        <p:txBody>
+          <a:bodyPr wrap="square" rtlCol="0">
+            <a:spAutoFit/>
+          </a:bodyPr>
+          <a:lstStyle/>
+          <a:p>
+            <a:pPr algn="ctr"/>
+            <a:r>
+              <a:rPr lang="en-US" altLang="ko-KR" sz="1100" i="1" dirty="0">
+                <a:solidFill>
+                  <a:srgbClr val="FF7876"/>
+                </a:solidFill>
+              </a:rPr>
+              <a:t>NumPy </a:t>
+            </a:r>
+            <a:r>
+              <a:rPr lang="ko-KR" altLang="en-US" sz="1100" i="1" dirty="0">
+                <a:solidFill>
+                  <a:srgbClr val="FF7876"/>
+                </a:solidFill>
+              </a:rPr>
+              <a:t>임의 프로그램</a:t>
+            </a:r>
+            <a:endParaRPr lang="en-US" altLang="ko-KR" sz="1100" i="1" dirty="0">
+              <a:solidFill>
+                <a:srgbClr val="FF7876"/>
+              </a:solidFill>
+            </a:endParaRPr>
+          </a:p>
+        </p:txBody>
+      </p:sp>
+      <p:sp>
+        <p:nvSpPr>
+          <p:cNvPr id="16" name="TextBox 15">
+            <a:extLst>
+              <a:ext uri="{FF2B5EF4-FFF2-40B4-BE49-F238E27FC236}">
+                <a16:creationId xmlns:a16="http://schemas.microsoft.com/office/drawing/2014/main" id="{7426D84C-FD10-E541-9234-373CC4E96DC3}"/>
+              </a:ext>
+            </a:extLst>
+          </p:cNvPr>
+          <p:cNvSpPr txBox="1"/>
+          <p:nvPr/>
+        </p:nvSpPr>
+        <p:spPr>
+          <a:xfrm>
+            <a:off x="474957" y="2152482"/>
+            <a:ext cx="6961623" cy="690488"/>
+          </a:xfrm>
+          <a:prstGeom prst="rect">
+            <a:avLst/>
+          </a:prstGeom>
+          <a:noFill/>
+          <a:ln w="12700">
+            <a:solidFill>
+              <a:srgbClr val="FF7876"/>
+            </a:solidFill>
+          </a:ln>
+        </p:spPr>
+        <p:txBody>
+          <a:bodyPr wrap="square" rtlCol="0">
+            <a:spAutoFit/>
+          </a:bodyPr>
+          <a:lstStyle/>
+          <a:p>
+            <a:pPr algn="ctr"/>
+            <a:endParaRPr lang="en-US" altLang="ko-Kore-KR" sz="1100" dirty="0"/>
+          </a:p>
+        </p:txBody>
+      </p:sp>
+      <p:sp>
+        <p:nvSpPr>
+          <p:cNvPr id="17" name="TextBox 16">
+            <a:extLst>
+              <a:ext uri="{FF2B5EF4-FFF2-40B4-BE49-F238E27FC236}">
+                <a16:creationId xmlns:a16="http://schemas.microsoft.com/office/drawing/2014/main" id="{B6F6AD54-0E70-AE47-A5B3-202DEC4E9661}"/>
+              </a:ext>
+            </a:extLst>
+          </p:cNvPr>
+          <p:cNvSpPr txBox="1"/>
+          <p:nvPr/>
+        </p:nvSpPr>
+        <p:spPr>
+          <a:xfrm>
+            <a:off x="474959" y="3381608"/>
+            <a:ext cx="6848333" cy="1246941"/>
+          </a:xfrm>
+          <a:prstGeom prst="rect">
+            <a:avLst/>
+          </a:prstGeom>
+          <a:noFill/>
+          <a:ln w="12700">
+            <a:solidFill>
+              <a:srgbClr val="FF7876"/>
+            </a:solidFill>
+          </a:ln>
+        </p:spPr>
+        <p:txBody>
+          <a:bodyPr wrap="square" rtlCol="0">
+            <a:spAutoFit/>
+          </a:bodyPr>
+          <a:lstStyle/>
+          <a:p>
+            <a:pPr algn="ctr"/>
+            <a:endParaRPr lang="en-US" altLang="ko-Kore-KR" sz="1100" dirty="0"/>
+          </a:p>
+        </p:txBody>
+      </p:sp>
+      <p:sp>
+        <p:nvSpPr>
+          <p:cNvPr id="12" name="TextBox 11">
+            <a:extLst>
+              <a:ext uri="{FF2B5EF4-FFF2-40B4-BE49-F238E27FC236}">
+                <a16:creationId xmlns:a16="http://schemas.microsoft.com/office/drawing/2014/main" id="{A7B3199B-F181-4F4A-B948-52F9122A0C22}"/>
+              </a:ext>
+            </a:extLst>
+          </p:cNvPr>
+          <p:cNvSpPr txBox="1"/>
+          <p:nvPr/>
+        </p:nvSpPr>
+        <p:spPr>
+          <a:xfrm>
+            <a:off x="472849" y="4825582"/>
+            <a:ext cx="4163887" cy="906545"/>
+          </a:xfrm>
+          <a:prstGeom prst="rect">
+            <a:avLst/>
+          </a:prstGeom>
+          <a:noFill/>
+          <a:ln w="12700">
+            <a:solidFill>
+              <a:srgbClr val="FF7876"/>
+            </a:solidFill>
+          </a:ln>
+        </p:spPr>
+        <p:txBody>
+          <a:bodyPr wrap="square" rtlCol="0">
+            <a:spAutoFit/>
+          </a:bodyPr>
+          <a:lstStyle/>
+          <a:p>
+            <a:pPr algn="ctr"/>
+            <a:endParaRPr lang="en-US" altLang="ko-Kore-KR" sz="1100" dirty="0"/>
+          </a:p>
+        </p:txBody>
+      </p:sp>
+      <p:sp>
+        <p:nvSpPr>
+          <p:cNvPr id="13" name="TextBox 12">
+            <a:extLst>
+              <a:ext uri="{FF2B5EF4-FFF2-40B4-BE49-F238E27FC236}">
+                <a16:creationId xmlns:a16="http://schemas.microsoft.com/office/drawing/2014/main" id="{97EF5EA7-54E0-1144-B6BD-A23BDC9D7223}"/>
+              </a:ext>
+            </a:extLst>
+          </p:cNvPr>
+          <p:cNvSpPr txBox="1"/>
+          <p:nvPr/>
+        </p:nvSpPr>
+        <p:spPr>
+          <a:xfrm>
+            <a:off x="472849" y="3034299"/>
+            <a:ext cx="1954761" cy="167493"/>
+          </a:xfrm>
+          <a:prstGeom prst="rect">
+            <a:avLst/>
+          </a:prstGeom>
+          <a:noFill/>
+          <a:ln w="12700">
+            <a:solidFill>
+              <a:srgbClr val="FF7876"/>
+            </a:solidFill>
+          </a:ln>
+        </p:spPr>
+        <p:txBody>
+          <a:bodyPr wrap="square" rtlCol="0">
+            <a:spAutoFit/>
+          </a:bodyPr>
+          <a:lstStyle/>
+          <a:p>
+            <a:pPr algn="ctr"/>
+            <a:endParaRPr lang="en-US" altLang="ko-Kore-KR" sz="1100" dirty="0"/>
+          </a:p>
+        </p:txBody>
+      </p:sp>
+      <p:cxnSp>
+        <p:nvCxnSpPr>
+          <p:cNvPr id="14" name="직선 화살표 연결선 13">
+            <a:extLst>
+              <a:ext uri="{FF2B5EF4-FFF2-40B4-BE49-F238E27FC236}">
+                <a16:creationId xmlns:a16="http://schemas.microsoft.com/office/drawing/2014/main" id="{58D1EF95-A5C0-0142-BBEA-62DD15A3DC3A}"/>
+              </a:ext>
+            </a:extLst>
+          </p:cNvPr>
+          <p:cNvCxnSpPr>
+            <a:cxnSpLocks/>
+            <a:stCxn id="16" idx="3"/>
+            <a:endCxn id="18" idx="1"/>
+          </p:cNvCxnSpPr>
+          <p:nvPr/>
+        </p:nvCxnSpPr>
+        <p:spPr>
+          <a:xfrm flipV="1">
+            <a:off x="7436580" y="2168666"/>
+            <a:ext cx="407283" cy="329060"/>
+          </a:xfrm>
+          <a:prstGeom prst="straightConnector1">
+            <a:avLst/>
+          </a:prstGeom>
+          <a:ln w="12700">
+            <a:solidFill>
+              <a:srgbClr val="FF7876"/>
+            </a:solidFill>
+            <a:tailEnd type="triangle"/>
+          </a:ln>
+        </p:spPr>
+        <p:style>
+          <a:lnRef idx="1">
+            <a:schemeClr val="accent1"/>
+          </a:lnRef>
+          <a:fillRef idx="0">
+            <a:schemeClr val="accent1"/>
+          </a:fillRef>
+          <a:effectRef idx="0">
+            <a:schemeClr val="accent1"/>
+          </a:effectRef>
+          <a:fontRef idx="minor">
+            <a:schemeClr val="tx1"/>
+          </a:fontRef>
+        </p:style>
+      </p:cxnSp>
+      <p:sp>
+        <p:nvSpPr>
+          <p:cNvPr id="18" name="TextBox 17">
+            <a:extLst>
+              <a:ext uri="{FF2B5EF4-FFF2-40B4-BE49-F238E27FC236}">
+                <a16:creationId xmlns:a16="http://schemas.microsoft.com/office/drawing/2014/main" id="{C5F00956-EC4C-9645-8E77-300192EE53F3}"/>
+              </a:ext>
+            </a:extLst>
+          </p:cNvPr>
+          <p:cNvSpPr txBox="1"/>
+          <p:nvPr/>
+        </p:nvSpPr>
+        <p:spPr>
+          <a:xfrm>
+            <a:off x="7843863" y="1783945"/>
+            <a:ext cx="3873180" cy="769441"/>
+          </a:xfrm>
+          <a:prstGeom prst="rect">
+            <a:avLst/>
+          </a:prstGeom>
+          <a:noFill/>
+          <a:ln w="12700">
+            <a:solidFill>
+              <a:srgbClr val="FF7876"/>
+            </a:solidFill>
+          </a:ln>
+        </p:spPr>
+        <p:txBody>
+          <a:bodyPr wrap="square" rtlCol="0">
+            <a:spAutoFit/>
+          </a:bodyPr>
+          <a:lstStyle/>
+          <a:p>
+            <a:pPr algn="ctr"/>
+            <a:r>
+              <a:rPr lang="ko-KR" altLang="en-US" sz="1100" dirty="0"/>
+              <a:t>날씨데이터를 가져오기 위해 기상청의 날씨정보 페이지의 주소를 </a:t>
+            </a:r>
+            <a:r>
+              <a:rPr lang="ko-KR" altLang="en-US" sz="1100" dirty="0" err="1"/>
+              <a:t>파싱합니다</a:t>
+            </a:r>
+            <a:r>
+              <a:rPr lang="en-US" altLang="ko-KR" sz="1100" dirty="0"/>
+              <a:t>.</a:t>
+            </a:r>
+          </a:p>
+          <a:p>
+            <a:pPr algn="ctr"/>
+            <a:r>
+              <a:rPr lang="ko-KR" altLang="en-US" sz="1100" dirty="0"/>
+              <a:t>이후 날씨정보가 위치하는 </a:t>
+            </a:r>
+            <a:r>
+              <a:rPr lang="ko-KR" altLang="en-US" sz="1100" dirty="0" err="1"/>
+              <a:t>태그정보를</a:t>
+            </a:r>
+            <a:r>
+              <a:rPr lang="ko-KR" altLang="en-US" sz="1100" dirty="0"/>
+              <a:t> 검색하여 </a:t>
+            </a:r>
+            <a:r>
+              <a:rPr lang="en-US" altLang="ko-KR" sz="1100" dirty="0"/>
+              <a:t>table</a:t>
+            </a:r>
+            <a:r>
+              <a:rPr lang="ko-KR" altLang="en-US" sz="1100" dirty="0"/>
+              <a:t>에 </a:t>
+            </a:r>
+            <a:endParaRPr lang="en-US" altLang="ko-KR" sz="1100" dirty="0"/>
+          </a:p>
+          <a:p>
+            <a:pPr algn="ctr"/>
+            <a:r>
+              <a:rPr lang="ko-KR" altLang="en-US" sz="1100" dirty="0"/>
+              <a:t>저장합니다</a:t>
+            </a:r>
+            <a:r>
+              <a:rPr lang="en-US" altLang="ko-KR" sz="1100" dirty="0"/>
+              <a:t>.</a:t>
+            </a:r>
+          </a:p>
+        </p:txBody>
+      </p:sp>
+      <p:cxnSp>
+        <p:nvCxnSpPr>
+          <p:cNvPr id="19" name="직선 화살표 연결선 18">
+            <a:extLst>
+              <a:ext uri="{FF2B5EF4-FFF2-40B4-BE49-F238E27FC236}">
+                <a16:creationId xmlns:a16="http://schemas.microsoft.com/office/drawing/2014/main" id="{F8367CFA-074D-624F-B0E4-091C9276DE23}"/>
+              </a:ext>
+            </a:extLst>
+          </p:cNvPr>
+          <p:cNvCxnSpPr>
+            <a:cxnSpLocks/>
+            <a:stCxn id="13" idx="3"/>
+            <a:endCxn id="20" idx="1"/>
+          </p:cNvCxnSpPr>
+          <p:nvPr/>
+        </p:nvCxnSpPr>
+        <p:spPr>
+          <a:xfrm flipV="1">
+            <a:off x="2427610" y="3034299"/>
+            <a:ext cx="5138444" cy="83747"/>
+          </a:xfrm>
+          <a:prstGeom prst="straightConnector1">
+            <a:avLst/>
+          </a:prstGeom>
+          <a:ln w="12700">
+            <a:solidFill>
+              <a:srgbClr val="FF7876"/>
+            </a:solidFill>
+            <a:tailEnd type="triangle"/>
+          </a:ln>
+        </p:spPr>
+        <p:style>
+          <a:lnRef idx="1">
+            <a:schemeClr val="accent1"/>
+          </a:lnRef>
+          <a:fillRef idx="0">
+            <a:schemeClr val="accent1"/>
+          </a:fillRef>
+          <a:effectRef idx="0">
+            <a:schemeClr val="accent1"/>
+          </a:effectRef>
+          <a:fontRef idx="minor">
+            <a:schemeClr val="tx1"/>
+          </a:fontRef>
+        </p:style>
+      </p:cxnSp>
+      <p:sp>
+        <p:nvSpPr>
+          <p:cNvPr id="20" name="TextBox 19">
+            <a:extLst>
+              <a:ext uri="{FF2B5EF4-FFF2-40B4-BE49-F238E27FC236}">
+                <a16:creationId xmlns:a16="http://schemas.microsoft.com/office/drawing/2014/main" id="{F52CFC49-2900-9C42-B573-F40BB3B7025D}"/>
+              </a:ext>
+            </a:extLst>
+          </p:cNvPr>
+          <p:cNvSpPr txBox="1"/>
+          <p:nvPr/>
+        </p:nvSpPr>
+        <p:spPr>
+          <a:xfrm>
+            <a:off x="7566054" y="2903494"/>
+            <a:ext cx="3873180" cy="261610"/>
+          </a:xfrm>
+          <a:prstGeom prst="rect">
+            <a:avLst/>
+          </a:prstGeom>
+          <a:noFill/>
+          <a:ln w="12700">
+            <a:solidFill>
+              <a:srgbClr val="FF7876"/>
+            </a:solidFill>
+          </a:ln>
+        </p:spPr>
+        <p:txBody>
+          <a:bodyPr wrap="square" rtlCol="0">
+            <a:spAutoFit/>
+          </a:bodyPr>
+          <a:lstStyle/>
+          <a:p>
+            <a:pPr algn="ctr"/>
+            <a:r>
+              <a:rPr lang="ko-KR" altLang="en-US" sz="1100" dirty="0"/>
+              <a:t>날씨정보를 담을 </a:t>
+            </a:r>
+            <a:r>
+              <a:rPr lang="ko-KR" altLang="en-US" sz="1100" dirty="0" err="1"/>
+              <a:t>넘파이배열</a:t>
+            </a:r>
+            <a:r>
+              <a:rPr lang="ko-KR" altLang="en-US" sz="1100" dirty="0"/>
+              <a:t> </a:t>
+            </a:r>
+            <a:r>
+              <a:rPr lang="en-US" altLang="ko-KR" sz="1100" dirty="0"/>
+              <a:t>data</a:t>
+            </a:r>
+            <a:r>
+              <a:rPr lang="ko-KR" altLang="en-US" sz="1100" dirty="0" err="1"/>
+              <a:t>를</a:t>
+            </a:r>
+            <a:r>
+              <a:rPr lang="ko-KR" altLang="en-US" sz="1100" dirty="0"/>
+              <a:t> 생성합니다</a:t>
+            </a:r>
+            <a:r>
+              <a:rPr lang="en-US" altLang="ko-KR" sz="1100" dirty="0"/>
+              <a:t>.</a:t>
+            </a:r>
+            <a:endParaRPr lang="en-US" altLang="ko-Kore-KR" sz="1100" dirty="0"/>
+          </a:p>
+        </p:txBody>
+      </p:sp>
+      <p:sp>
+        <p:nvSpPr>
+          <p:cNvPr id="26" name="TextBox 25">
+            <a:extLst>
+              <a:ext uri="{FF2B5EF4-FFF2-40B4-BE49-F238E27FC236}">
+                <a16:creationId xmlns:a16="http://schemas.microsoft.com/office/drawing/2014/main" id="{10B011E1-C91B-844D-9224-0CC9ECFF3743}"/>
+              </a:ext>
+            </a:extLst>
+          </p:cNvPr>
+          <p:cNvSpPr txBox="1"/>
+          <p:nvPr/>
+        </p:nvSpPr>
+        <p:spPr>
+          <a:xfrm>
+            <a:off x="7566054" y="3547222"/>
+            <a:ext cx="3873180" cy="769441"/>
+          </a:xfrm>
+          <a:prstGeom prst="rect">
+            <a:avLst/>
+          </a:prstGeom>
+          <a:noFill/>
+          <a:ln w="12700">
+            <a:solidFill>
+              <a:srgbClr val="FF7876"/>
+            </a:solidFill>
+          </a:ln>
+        </p:spPr>
+        <p:txBody>
+          <a:bodyPr wrap="square" rtlCol="0">
+            <a:spAutoFit/>
+          </a:bodyPr>
+          <a:lstStyle/>
+          <a:p>
+            <a:pPr algn="ctr"/>
+            <a:r>
+              <a:rPr lang="ko-KR" altLang="en-US" sz="1100" dirty="0"/>
+              <a:t>이후 기온과 </a:t>
+            </a:r>
+            <a:r>
+              <a:rPr lang="ko-KR" altLang="en-US" sz="1100" dirty="0" err="1"/>
+              <a:t>체감기온의</a:t>
+            </a:r>
+            <a:r>
+              <a:rPr lang="ko-KR" altLang="en-US" sz="1100" dirty="0"/>
+              <a:t> 정보를 </a:t>
+            </a:r>
+            <a:r>
+              <a:rPr lang="ko-KR" altLang="en-US" sz="1100" dirty="0" err="1"/>
+              <a:t>넘파이</a:t>
+            </a:r>
+            <a:r>
+              <a:rPr lang="ko-KR" altLang="en-US" sz="1100" dirty="0"/>
+              <a:t> 배열에</a:t>
+            </a:r>
+            <a:endParaRPr lang="en-US" altLang="ko-KR" sz="1100" dirty="0"/>
+          </a:p>
+          <a:p>
+            <a:pPr algn="ctr"/>
+            <a:r>
+              <a:rPr lang="en-US" altLang="ko-Kore-KR" sz="1100" dirty="0"/>
+              <a:t>append</a:t>
+            </a:r>
+            <a:r>
+              <a:rPr lang="ko-KR" altLang="en-US" sz="1100" dirty="0" err="1"/>
+              <a:t>를</a:t>
+            </a:r>
+            <a:r>
+              <a:rPr lang="ko-KR" altLang="en-US" sz="1100" dirty="0"/>
+              <a:t> 이용하여 입력하도록 합니다</a:t>
+            </a:r>
+            <a:r>
+              <a:rPr lang="en-US" altLang="ko-KR" sz="1100" dirty="0"/>
+              <a:t>.</a:t>
+            </a:r>
+          </a:p>
+          <a:p>
+            <a:pPr algn="ctr"/>
+            <a:r>
+              <a:rPr lang="ko-KR" altLang="en-US" sz="1100" dirty="0" err="1"/>
+              <a:t>입력시</a:t>
+            </a:r>
+            <a:r>
+              <a:rPr lang="ko-KR" altLang="en-US" sz="1100" dirty="0"/>
+              <a:t> </a:t>
+            </a:r>
+            <a:r>
+              <a:rPr lang="en-US" altLang="ko-KR" sz="1100" dirty="0"/>
+              <a:t>2</a:t>
+            </a:r>
+            <a:r>
+              <a:rPr lang="ko-KR" altLang="en-US" sz="1100" dirty="0"/>
+              <a:t>차원 배열로 구성하기 위해 </a:t>
+            </a:r>
+            <a:r>
+              <a:rPr lang="ko-KR" altLang="en-US" sz="1100" dirty="0" err="1"/>
+              <a:t>넘파이</a:t>
+            </a:r>
+            <a:r>
+              <a:rPr lang="ko-KR" altLang="en-US" sz="1100" dirty="0"/>
+              <a:t> 배열로</a:t>
+            </a:r>
+            <a:endParaRPr lang="en-US" altLang="ko-KR" sz="1100" dirty="0"/>
+          </a:p>
+          <a:p>
+            <a:pPr algn="ctr"/>
+            <a:r>
+              <a:rPr lang="ko-KR" altLang="en-US" sz="1100" dirty="0"/>
+              <a:t>먼저 날씨정보들을 구성한 후 추가해주도록 합니다</a:t>
+            </a:r>
+            <a:r>
+              <a:rPr lang="en-US" altLang="ko-KR" sz="1100" dirty="0"/>
+              <a:t>.</a:t>
+            </a:r>
+            <a:endParaRPr lang="en-US" altLang="ko-Kore-KR" sz="1100" dirty="0"/>
+          </a:p>
+        </p:txBody>
+      </p:sp>
+      <p:cxnSp>
+        <p:nvCxnSpPr>
+          <p:cNvPr id="27" name="직선 화살표 연결선 26">
+            <a:extLst>
+              <a:ext uri="{FF2B5EF4-FFF2-40B4-BE49-F238E27FC236}">
+                <a16:creationId xmlns:a16="http://schemas.microsoft.com/office/drawing/2014/main" id="{93900EC2-0CDE-B84F-85CD-8158CB3A8378}"/>
+              </a:ext>
+            </a:extLst>
+          </p:cNvPr>
+          <p:cNvCxnSpPr>
+            <a:cxnSpLocks/>
+            <a:stCxn id="17" idx="3"/>
+            <a:endCxn id="26" idx="1"/>
+          </p:cNvCxnSpPr>
+          <p:nvPr/>
+        </p:nvCxnSpPr>
+        <p:spPr>
+          <a:xfrm flipV="1">
+            <a:off x="7323292" y="3931943"/>
+            <a:ext cx="242762" cy="73136"/>
+          </a:xfrm>
+          <a:prstGeom prst="straightConnector1">
+            <a:avLst/>
+          </a:prstGeom>
+          <a:ln w="12700">
+            <a:solidFill>
+              <a:srgbClr val="FF7876"/>
+            </a:solidFill>
+            <a:tailEnd type="triangle"/>
+          </a:ln>
+        </p:spPr>
+        <p:style>
+          <a:lnRef idx="1">
+            <a:schemeClr val="accent1"/>
+          </a:lnRef>
+          <a:fillRef idx="0">
+            <a:schemeClr val="accent1"/>
+          </a:fillRef>
+          <a:effectRef idx="0">
+            <a:schemeClr val="accent1"/>
+          </a:effectRef>
+          <a:fontRef idx="minor">
+            <a:schemeClr val="tx1"/>
+          </a:fontRef>
+        </p:style>
+      </p:cxnSp>
+      <p:cxnSp>
+        <p:nvCxnSpPr>
+          <p:cNvPr id="31" name="직선 화살표 연결선 30">
+            <a:extLst>
+              <a:ext uri="{FF2B5EF4-FFF2-40B4-BE49-F238E27FC236}">
+                <a16:creationId xmlns:a16="http://schemas.microsoft.com/office/drawing/2014/main" id="{5C7FC8F2-8E6F-F343-BAE6-2D6E82500F4A}"/>
+              </a:ext>
+            </a:extLst>
+          </p:cNvPr>
+          <p:cNvCxnSpPr>
+            <a:cxnSpLocks/>
+            <a:stCxn id="12" idx="3"/>
+          </p:cNvCxnSpPr>
+          <p:nvPr/>
+        </p:nvCxnSpPr>
+        <p:spPr>
+          <a:xfrm flipV="1">
+            <a:off x="4636736" y="5129319"/>
+            <a:ext cx="2929318" cy="149536"/>
+          </a:xfrm>
+          <a:prstGeom prst="straightConnector1">
+            <a:avLst/>
+          </a:prstGeom>
+          <a:ln w="12700">
+            <a:solidFill>
+              <a:srgbClr val="FF7876"/>
+            </a:solidFill>
+            <a:tailEnd type="triangle"/>
+          </a:ln>
+        </p:spPr>
+        <p:style>
+          <a:lnRef idx="1">
+            <a:schemeClr val="accent1"/>
+          </a:lnRef>
+          <a:fillRef idx="0">
+            <a:schemeClr val="accent1"/>
+          </a:fillRef>
+          <a:effectRef idx="0">
+            <a:schemeClr val="accent1"/>
+          </a:effectRef>
+          <a:fontRef idx="minor">
+            <a:schemeClr val="tx1"/>
+          </a:fontRef>
+        </p:style>
+      </p:cxnSp>
+      <p:sp>
+        <p:nvSpPr>
+          <p:cNvPr id="34" name="TextBox 33">
+            <a:extLst>
+              <a:ext uri="{FF2B5EF4-FFF2-40B4-BE49-F238E27FC236}">
+                <a16:creationId xmlns:a16="http://schemas.microsoft.com/office/drawing/2014/main" id="{5659CDBB-3B39-5E4F-AA3D-0918E7934AD1}"/>
+              </a:ext>
+            </a:extLst>
+          </p:cNvPr>
+          <p:cNvSpPr txBox="1"/>
+          <p:nvPr/>
+        </p:nvSpPr>
+        <p:spPr>
+          <a:xfrm>
+            <a:off x="7566054" y="4651440"/>
+            <a:ext cx="3873180" cy="938719"/>
+          </a:xfrm>
+          <a:prstGeom prst="rect">
+            <a:avLst/>
+          </a:prstGeom>
+          <a:noFill/>
+          <a:ln w="12700">
+            <a:solidFill>
+              <a:srgbClr val="FF7876"/>
+            </a:solidFill>
+          </a:ln>
+        </p:spPr>
+        <p:txBody>
+          <a:bodyPr wrap="square" rtlCol="0">
+            <a:spAutoFit/>
+          </a:bodyPr>
+          <a:lstStyle/>
+          <a:p>
+            <a:pPr algn="ctr"/>
+            <a:r>
+              <a:rPr lang="ko-KR" altLang="en-US" sz="1100" dirty="0"/>
+              <a:t>첫번째 행엔 </a:t>
+            </a:r>
+            <a:r>
+              <a:rPr lang="ko-KR" altLang="en-US" sz="1100" dirty="0" err="1"/>
+              <a:t>쓰레기값이</a:t>
+            </a:r>
+            <a:r>
+              <a:rPr lang="ko-KR" altLang="en-US" sz="1100" dirty="0"/>
+              <a:t> </a:t>
+            </a:r>
+            <a:r>
+              <a:rPr lang="ko-KR" altLang="en-US" sz="1100" dirty="0" err="1"/>
+              <a:t>저장되있으므로</a:t>
+            </a:r>
+            <a:endParaRPr lang="en-US" altLang="ko-KR" sz="1100" dirty="0"/>
+          </a:p>
+          <a:p>
+            <a:pPr algn="ctr"/>
+            <a:r>
+              <a:rPr lang="en-US" altLang="ko-KR" sz="1100" dirty="0"/>
+              <a:t>delete</a:t>
+            </a:r>
+            <a:r>
+              <a:rPr lang="ko-KR" altLang="en-US" sz="1100" dirty="0" err="1"/>
+              <a:t>를</a:t>
+            </a:r>
+            <a:r>
+              <a:rPr lang="ko-KR" altLang="en-US" sz="1100" dirty="0"/>
+              <a:t> 통해 </a:t>
+            </a:r>
+            <a:r>
+              <a:rPr lang="en-US" altLang="ko-KR" sz="1100" dirty="0"/>
+              <a:t>0</a:t>
+            </a:r>
+            <a:r>
+              <a:rPr lang="ko-KR" altLang="en-US" sz="1100" dirty="0"/>
+              <a:t>번째 열을 삭제하도도록 한 후</a:t>
+            </a:r>
+            <a:endParaRPr lang="en-US" altLang="ko-KR" sz="1100" dirty="0"/>
+          </a:p>
+          <a:p>
+            <a:pPr algn="ctr"/>
+            <a:r>
+              <a:rPr lang="ko-KR" altLang="en-US" sz="1100" dirty="0"/>
+              <a:t>크롤링하여 가져온 데이터를 출력해보고</a:t>
+            </a:r>
+            <a:endParaRPr lang="en-US" altLang="ko-KR" sz="1100" dirty="0"/>
+          </a:p>
+          <a:p>
+            <a:pPr algn="ctr"/>
+            <a:r>
+              <a:rPr lang="ko-KR" altLang="en-US" sz="1100" dirty="0"/>
+              <a:t>최고점의 기온과 최저점의 기온을</a:t>
+            </a:r>
+            <a:endParaRPr lang="en-US" altLang="ko-KR" sz="1100" dirty="0"/>
+          </a:p>
+          <a:p>
+            <a:pPr algn="ctr"/>
+            <a:r>
+              <a:rPr lang="en-US" altLang="ko-Kore-KR" sz="1100" dirty="0"/>
+              <a:t>max</a:t>
+            </a:r>
+            <a:r>
+              <a:rPr lang="ko-KR" altLang="en-US" sz="1100" dirty="0"/>
+              <a:t>와 </a:t>
+            </a:r>
+            <a:r>
+              <a:rPr lang="en-US" altLang="ko-KR" sz="1100" dirty="0"/>
+              <a:t>min</a:t>
+            </a:r>
+            <a:r>
+              <a:rPr lang="ko-KR" altLang="en-US" sz="1100" dirty="0"/>
+              <a:t>을 통해 구해보도록 합니다</a:t>
+            </a:r>
+            <a:r>
+              <a:rPr lang="en-US" altLang="ko-KR" sz="1100" dirty="0"/>
+              <a:t>.</a:t>
+            </a:r>
+            <a:endParaRPr lang="en-US" altLang="ko-Kore-KR" sz="1100" dirty="0"/>
+          </a:p>
+        </p:txBody>
+      </p:sp>
+    </p:spTree>
+    <p:extLst>
+      <p:ext uri="{BB962C8B-B14F-4D97-AF65-F5344CB8AC3E}">
+        <p14:creationId xmlns:p14="http://schemas.microsoft.com/office/powerpoint/2010/main" val="373511497"/>
+      </p:ext>
+    </p:extLst>
+  </p:cSld>
+  <p:clrMapOvr>
+    <a:masterClrMapping/>
+  </p:clrMapOvr>
+</p:sld>
+</file>
+
+<file path=ppt/slides/slide15.xml><?xml version="1.0" encoding="utf-8"?>
+<p:sld xmlns:a="http://schemas.openxmlformats.org/drawingml/2006/main" xmlns:r="http://schemas.openxmlformats.org/officeDocument/2006/relationships" xmlns:p="http://schemas.openxmlformats.org/presentationml/2006/main">
+  <p:cSld>
+    <p:spTree>
+      <p:nvGrpSpPr>
+        <p:cNvPr id="1" name=""/>
+        <p:cNvGrpSpPr/>
+        <p:nvPr/>
+      </p:nvGrpSpPr>
+      <p:grpSpPr>
+        <a:xfrm>
+          <a:off x="0" y="0"/>
+          <a:ext cx="0" cy="0"/>
+          <a:chOff x="0" y="0"/>
+          <a:chExt cx="0" cy="0"/>
+        </a:xfrm>
+      </p:grpSpPr>
+      <p:sp>
+        <p:nvSpPr>
+          <p:cNvPr id="37" name="직사각형 36">
+            <a:extLst>
+              <a:ext uri="{FF2B5EF4-FFF2-40B4-BE49-F238E27FC236}">
+                <a16:creationId xmlns:a16="http://schemas.microsoft.com/office/drawing/2014/main" id="{3F15C60C-17FE-422D-AFCF-73C75A021362}"/>
+              </a:ext>
+            </a:extLst>
+          </p:cNvPr>
+          <p:cNvSpPr/>
+          <p:nvPr/>
+        </p:nvSpPr>
+        <p:spPr>
+          <a:xfrm>
+            <a:off x="3697172" y="332194"/>
+            <a:ext cx="4713765" cy="735842"/>
+          </a:xfrm>
+          <a:prstGeom prst="rect">
+            <a:avLst/>
+          </a:prstGeom>
+        </p:spPr>
+        <p:txBody>
+          <a:bodyPr wrap="square">
+            <a:spAutoFit/>
+          </a:bodyPr>
+          <a:lstStyle/>
+          <a:p>
+            <a:pPr algn="ctr" latinLnBrk="0">
+              <a:lnSpc>
+                <a:spcPct val="150000"/>
+              </a:lnSpc>
+              <a:defRPr/>
+            </a:pPr>
+            <a:r>
+              <a:rPr lang="en-US" altLang="ko-KR" sz="3200" b="1" i="1" kern="0" dirty="0">
+                <a:solidFill>
+                  <a:srgbClr val="FF7876"/>
+                </a:solidFill>
+              </a:rPr>
+              <a:t>11</a:t>
+            </a:r>
+          </a:p>
+        </p:txBody>
+      </p:sp>
+      <p:cxnSp>
+        <p:nvCxnSpPr>
+          <p:cNvPr id="38" name="직선 연결선 37">
+            <a:extLst>
+              <a:ext uri="{FF2B5EF4-FFF2-40B4-BE49-F238E27FC236}">
+                <a16:creationId xmlns:a16="http://schemas.microsoft.com/office/drawing/2014/main" id="{940134F4-F272-426A-B50B-8075427DF501}"/>
+              </a:ext>
+            </a:extLst>
+          </p:cNvPr>
+          <p:cNvCxnSpPr>
+            <a:cxnSpLocks/>
+          </p:cNvCxnSpPr>
+          <p:nvPr/>
+        </p:nvCxnSpPr>
+        <p:spPr>
+          <a:xfrm flipV="1">
+            <a:off x="843148" y="847712"/>
+            <a:ext cx="4769087" cy="1"/>
+          </a:xfrm>
+          <a:prstGeom prst="line">
+            <a:avLst/>
+          </a:prstGeom>
+          <a:ln w="6350">
+            <a:solidFill>
+              <a:srgbClr val="FF7876"/>
+            </a:solidFill>
+            <a:prstDash val="sysDash"/>
+            <a:tailEnd type="oval"/>
+          </a:ln>
+        </p:spPr>
+        <p:style>
+          <a:lnRef idx="1">
+            <a:schemeClr val="accent1"/>
+          </a:lnRef>
+          <a:fillRef idx="0">
+            <a:schemeClr val="accent1"/>
+          </a:fillRef>
+          <a:effectRef idx="0">
+            <a:schemeClr val="accent1"/>
+          </a:effectRef>
+          <a:fontRef idx="minor">
+            <a:schemeClr val="tx1"/>
+          </a:fontRef>
+        </p:style>
+      </p:cxnSp>
+      <p:cxnSp>
+        <p:nvCxnSpPr>
+          <p:cNvPr id="39" name="직선 연결선 38">
+            <a:extLst>
+              <a:ext uri="{FF2B5EF4-FFF2-40B4-BE49-F238E27FC236}">
+                <a16:creationId xmlns:a16="http://schemas.microsoft.com/office/drawing/2014/main" id="{55EBD739-0979-4546-8E6B-9CA8052FC540}"/>
+              </a:ext>
+            </a:extLst>
+          </p:cNvPr>
+          <p:cNvCxnSpPr>
+            <a:cxnSpLocks/>
+          </p:cNvCxnSpPr>
+          <p:nvPr/>
+        </p:nvCxnSpPr>
+        <p:spPr>
+          <a:xfrm flipH="1">
+            <a:off x="6579767" y="847712"/>
+            <a:ext cx="4692810" cy="0"/>
+          </a:xfrm>
+          <a:prstGeom prst="line">
+            <a:avLst/>
+          </a:prstGeom>
+          <a:ln w="6350">
+            <a:solidFill>
+              <a:srgbClr val="FF7876"/>
+            </a:solidFill>
+            <a:prstDash val="sysDash"/>
+            <a:tailEnd type="oval"/>
+          </a:ln>
+        </p:spPr>
+        <p:style>
+          <a:lnRef idx="1">
+            <a:schemeClr val="accent1"/>
+          </a:lnRef>
+          <a:fillRef idx="0">
+            <a:schemeClr val="accent1"/>
+          </a:fillRef>
+          <a:effectRef idx="0">
+            <a:schemeClr val="accent1"/>
+          </a:effectRef>
+          <a:fontRef idx="minor">
+            <a:schemeClr val="tx1"/>
+          </a:fontRef>
+        </p:style>
+      </p:cxnSp>
+      <p:sp>
+        <p:nvSpPr>
+          <p:cNvPr id="8" name="TextBox 7">
+            <a:extLst>
+              <a:ext uri="{FF2B5EF4-FFF2-40B4-BE49-F238E27FC236}">
+                <a16:creationId xmlns:a16="http://schemas.microsoft.com/office/drawing/2014/main" id="{C18154B9-4F65-4277-8C17-63D9702FC25F}"/>
+              </a:ext>
+            </a:extLst>
+          </p:cNvPr>
+          <p:cNvSpPr txBox="1"/>
+          <p:nvPr/>
+        </p:nvSpPr>
+        <p:spPr>
+          <a:xfrm>
+            <a:off x="765146" y="963122"/>
+            <a:ext cx="10507430" cy="261610"/>
+          </a:xfrm>
+          <a:prstGeom prst="rect">
+            <a:avLst/>
+          </a:prstGeom>
+          <a:noFill/>
+        </p:spPr>
+        <p:txBody>
+          <a:bodyPr wrap="square" rtlCol="0">
+            <a:spAutoFit/>
+          </a:bodyPr>
+          <a:lstStyle/>
+          <a:p>
+            <a:pPr algn="ctr"/>
+            <a:r>
+              <a:rPr lang="en-US" altLang="ko-KR" sz="1100" i="1" dirty="0">
+                <a:solidFill>
+                  <a:srgbClr val="FF7876"/>
+                </a:solidFill>
+              </a:rPr>
+              <a:t>NumPy </a:t>
+            </a:r>
+            <a:r>
+              <a:rPr lang="ko-KR" altLang="en-US" sz="1100" i="1" dirty="0">
+                <a:solidFill>
+                  <a:srgbClr val="FF7876"/>
+                </a:solidFill>
+              </a:rPr>
+              <a:t>임의 프로그램</a:t>
+            </a:r>
+            <a:endParaRPr lang="en-US" altLang="ko-KR" sz="1100" i="1" dirty="0">
+              <a:solidFill>
+                <a:srgbClr val="FF7876"/>
+              </a:solidFill>
+            </a:endParaRPr>
+          </a:p>
+        </p:txBody>
+      </p:sp>
+      <p:sp>
+        <p:nvSpPr>
+          <p:cNvPr id="18" name="TextBox 17">
+            <a:extLst>
+              <a:ext uri="{FF2B5EF4-FFF2-40B4-BE49-F238E27FC236}">
+                <a16:creationId xmlns:a16="http://schemas.microsoft.com/office/drawing/2014/main" id="{C5F00956-EC4C-9645-8E77-300192EE53F3}"/>
+              </a:ext>
+            </a:extLst>
+          </p:cNvPr>
+          <p:cNvSpPr txBox="1"/>
+          <p:nvPr/>
+        </p:nvSpPr>
+        <p:spPr>
+          <a:xfrm>
+            <a:off x="3611745" y="5664038"/>
+            <a:ext cx="4968509" cy="769441"/>
+          </a:xfrm>
+          <a:prstGeom prst="rect">
+            <a:avLst/>
+          </a:prstGeom>
+          <a:noFill/>
+          <a:ln w="12700">
+            <a:solidFill>
+              <a:srgbClr val="FF7876"/>
+            </a:solidFill>
+          </a:ln>
+        </p:spPr>
+        <p:txBody>
+          <a:bodyPr wrap="square" rtlCol="0">
+            <a:spAutoFit/>
+          </a:bodyPr>
+          <a:lstStyle/>
+          <a:p>
+            <a:pPr algn="ctr"/>
+            <a:r>
+              <a:rPr lang="ko-KR" altLang="en-US" sz="1100" dirty="0"/>
+              <a:t>기상청 홈페이지의 데이터와 가져온 데이터입니다</a:t>
+            </a:r>
+            <a:r>
+              <a:rPr lang="en-US" altLang="ko-KR" sz="1100" dirty="0"/>
+              <a:t>.</a:t>
+            </a:r>
+          </a:p>
+          <a:p>
+            <a:pPr algn="ctr"/>
+            <a:r>
+              <a:rPr lang="ko-KR" altLang="en-US" sz="1100" dirty="0"/>
+              <a:t>정상적으로 </a:t>
+            </a:r>
+            <a:r>
+              <a:rPr lang="ko-KR" altLang="en-US" sz="1100" dirty="0" err="1"/>
+              <a:t>크롤링</a:t>
+            </a:r>
+            <a:r>
+              <a:rPr lang="ko-KR" altLang="en-US" sz="1100" dirty="0"/>
+              <a:t> 하였으며</a:t>
+            </a:r>
+            <a:endParaRPr lang="en-US" altLang="ko-KR" sz="1100" dirty="0"/>
+          </a:p>
+          <a:p>
+            <a:pPr algn="ctr"/>
+            <a:r>
+              <a:rPr lang="en-US" altLang="ko-KR" sz="1100" dirty="0" err="1"/>
+              <a:t>numpy</a:t>
+            </a:r>
+            <a:r>
+              <a:rPr lang="ko-KR" altLang="en-US" sz="1100" dirty="0"/>
+              <a:t>의 </a:t>
+            </a:r>
+            <a:r>
+              <a:rPr lang="en-US" altLang="ko-KR" sz="1100" dirty="0"/>
+              <a:t>min, max</a:t>
+            </a:r>
+            <a:r>
+              <a:rPr lang="ko-KR" altLang="en-US" sz="1100" dirty="0"/>
+              <a:t>함수를 통해</a:t>
+            </a:r>
+            <a:endParaRPr lang="en-US" altLang="ko-KR" sz="1100" dirty="0"/>
+          </a:p>
+          <a:p>
+            <a:pPr algn="ctr"/>
+            <a:r>
+              <a:rPr lang="ko-KR" altLang="en-US" sz="1100" dirty="0" err="1"/>
+              <a:t>최고기온과</a:t>
+            </a:r>
+            <a:r>
+              <a:rPr lang="ko-KR" altLang="en-US" sz="1100" dirty="0"/>
+              <a:t> 최저기온의 정보 역시 알 수 있습니다</a:t>
+            </a:r>
+            <a:r>
+              <a:rPr lang="en-US" altLang="ko-KR" sz="1100" dirty="0"/>
+              <a:t>.</a:t>
+            </a:r>
+          </a:p>
+        </p:txBody>
+      </p:sp>
+      <p:pic>
+        <p:nvPicPr>
+          <p:cNvPr id="2" name="그림 1">
+            <a:extLst>
+              <a:ext uri="{FF2B5EF4-FFF2-40B4-BE49-F238E27FC236}">
+                <a16:creationId xmlns:a16="http://schemas.microsoft.com/office/drawing/2014/main" id="{56E70FE5-9A86-C748-9368-F212D858EA61}"/>
+              </a:ext>
+            </a:extLst>
+          </p:cNvPr>
+          <p:cNvPicPr>
+            <a:picLocks noChangeAspect="1"/>
+          </p:cNvPicPr>
+          <p:nvPr/>
+        </p:nvPicPr>
+        <p:blipFill>
+          <a:blip r:embed="rId2"/>
+          <a:stretch>
+            <a:fillRect/>
+          </a:stretch>
+        </p:blipFill>
+        <p:spPr>
+          <a:xfrm>
+            <a:off x="300754" y="1583554"/>
+            <a:ext cx="4811310" cy="3732913"/>
+          </a:xfrm>
+          <a:prstGeom prst="rect">
+            <a:avLst/>
+          </a:prstGeom>
+        </p:spPr>
+      </p:pic>
+      <p:pic>
+        <p:nvPicPr>
+          <p:cNvPr id="3" name="그림 2">
+            <a:extLst>
+              <a:ext uri="{FF2B5EF4-FFF2-40B4-BE49-F238E27FC236}">
+                <a16:creationId xmlns:a16="http://schemas.microsoft.com/office/drawing/2014/main" id="{2BF039B7-5C24-734C-8C4A-32E6B8AE21FB}"/>
+              </a:ext>
+            </a:extLst>
+          </p:cNvPr>
+          <p:cNvPicPr>
+            <a:picLocks noChangeAspect="1"/>
+          </p:cNvPicPr>
+          <p:nvPr/>
+        </p:nvPicPr>
+        <p:blipFill>
+          <a:blip r:embed="rId3"/>
+          <a:stretch>
+            <a:fillRect/>
+          </a:stretch>
+        </p:blipFill>
+        <p:spPr>
+          <a:xfrm>
+            <a:off x="5378450" y="1714500"/>
+            <a:ext cx="1435100" cy="3429000"/>
+          </a:xfrm>
+          <a:prstGeom prst="rect">
+            <a:avLst/>
+          </a:prstGeom>
+        </p:spPr>
+      </p:pic>
+      <p:sp>
+        <p:nvSpPr>
+          <p:cNvPr id="21" name="TextBox 20">
+            <a:extLst>
+              <a:ext uri="{FF2B5EF4-FFF2-40B4-BE49-F238E27FC236}">
+                <a16:creationId xmlns:a16="http://schemas.microsoft.com/office/drawing/2014/main" id="{8C3118E7-1BA5-6947-B837-A6725F322ECF}"/>
+              </a:ext>
+            </a:extLst>
+          </p:cNvPr>
+          <p:cNvSpPr txBox="1"/>
+          <p:nvPr/>
+        </p:nvSpPr>
+        <p:spPr>
+          <a:xfrm>
+            <a:off x="2457578" y="1876902"/>
+            <a:ext cx="835880" cy="3439565"/>
+          </a:xfrm>
+          <a:prstGeom prst="rect">
+            <a:avLst/>
+          </a:prstGeom>
+          <a:noFill/>
+          <a:ln w="12700">
+            <a:solidFill>
+              <a:srgbClr val="FF7876"/>
+            </a:solidFill>
+          </a:ln>
+        </p:spPr>
+        <p:txBody>
+          <a:bodyPr wrap="square" rtlCol="0">
+            <a:spAutoFit/>
+          </a:bodyPr>
+          <a:lstStyle/>
+          <a:p>
+            <a:pPr algn="ctr"/>
+            <a:endParaRPr lang="en-US" altLang="ko-Kore-KR" sz="1100" dirty="0"/>
+          </a:p>
+        </p:txBody>
+      </p:sp>
+      <p:pic>
+        <p:nvPicPr>
+          <p:cNvPr id="4" name="그림 3">
+            <a:extLst>
+              <a:ext uri="{FF2B5EF4-FFF2-40B4-BE49-F238E27FC236}">
+                <a16:creationId xmlns:a16="http://schemas.microsoft.com/office/drawing/2014/main" id="{1BED9138-E6ED-9F44-9DC9-593981AADD30}"/>
+              </a:ext>
+            </a:extLst>
+          </p:cNvPr>
+          <p:cNvPicPr>
+            <a:picLocks noChangeAspect="1"/>
+          </p:cNvPicPr>
+          <p:nvPr/>
+        </p:nvPicPr>
+        <p:blipFill>
+          <a:blip r:embed="rId4"/>
+          <a:stretch>
+            <a:fillRect/>
+          </a:stretch>
+        </p:blipFill>
+        <p:spPr>
+          <a:xfrm>
+            <a:off x="7560546" y="3088684"/>
+            <a:ext cx="3479800" cy="508000"/>
+          </a:xfrm>
+          <a:prstGeom prst="rect">
+            <a:avLst/>
+          </a:prstGeom>
+        </p:spPr>
+      </p:pic>
+    </p:spTree>
+    <p:extLst>
+      <p:ext uri="{BB962C8B-B14F-4D97-AF65-F5344CB8AC3E}">
+        <p14:creationId xmlns:p14="http://schemas.microsoft.com/office/powerpoint/2010/main" val="887750796"/>
+      </p:ext>
+    </p:extLst>
+  </p:cSld>
+  <p:clrMapOvr>
+    <a:masterClrMapping/>
+  </p:clrMapOvr>
+</p:sld>
+</file>
+
+<file path=ppt/slides/slide16.xml><?xml version="1.0" encoding="utf-8"?>
+<p:sld xmlns:a="http://schemas.openxmlformats.org/drawingml/2006/main" xmlns:r="http://schemas.openxmlformats.org/officeDocument/2006/relationships" xmlns:p="http://schemas.openxmlformats.org/presentationml/2006/main">
+  <p:cSld>
+    <p:spTree>
+      <p:nvGrpSpPr>
+        <p:cNvPr id="1" name=""/>
+        <p:cNvGrpSpPr/>
+        <p:nvPr/>
+      </p:nvGrpSpPr>
+      <p:grpSpPr>
+        <a:xfrm>
+          <a:off x="0" y="0"/>
+          <a:ext cx="0" cy="0"/>
+          <a:chOff x="0" y="0"/>
+          <a:chExt cx="0" cy="0"/>
+        </a:xfrm>
+      </p:grpSpPr>
+      <p:sp>
+        <p:nvSpPr>
           <p:cNvPr id="105" name="직사각형 104">
             <a:extLst>
               <a:ext uri="{FF2B5EF4-FFF2-40B4-BE49-F238E27FC236}">
